--- a/spring15/slidesS15/proofs.pptx
+++ b/spring15/slidesS15/proofs.pptx
@@ -4921,13 +4921,7 @@
               <a:rPr lang="en-US" sz="1000" baseline="0" dirty="0" smtClean="0">
                 <a:latin typeface="Comic Sans MS" pitchFamily="66" charset="0"/>
               </a:rPr>
-              <a:t>February </a:t>
-            </a:r>
-            <a:r>
-              <a:rPr lang="en-US" sz="1000" baseline="0" dirty="0" smtClean="0">
-                <a:latin typeface="Comic Sans MS" pitchFamily="66" charset="0"/>
-              </a:rPr>
-              <a:t>4,</a:t>
+              <a:t>February 4,</a:t>
             </a:r>
             <a:r>
               <a:rPr lang="en-US" sz="1000" dirty="0" smtClean="0">
@@ -5570,7 +5564,7 @@
           <a:graphicData uri="http://schemas.openxmlformats.org/presentationml/2006/ole">
             <mc:AlternateContent xmlns:mc="http://schemas.openxmlformats.org/markup-compatibility/2006">
               <mc:Choice xmlns:v="urn:schemas-microsoft-com:vml" Requires="v">
-                <p:oleObj spid="_x0000_s1191" name="Equation" r:id="rId4" imgW="914400" imgH="215640" progId="Equation.3">
+                <p:oleObj spid="_x0000_s1196" name="Equation" r:id="rId4" imgW="914400" imgH="215640" progId="Equation.3">
                   <p:embed/>
                 </p:oleObj>
               </mc:Choice>
@@ -5640,7 +5634,7 @@
           <a:graphicData uri="http://schemas.openxmlformats.org/presentationml/2006/ole">
             <mc:AlternateContent xmlns:mc="http://schemas.openxmlformats.org/markup-compatibility/2006">
               <mc:Choice xmlns:v="urn:schemas-microsoft-com:vml" Requires="v">
-                <p:oleObj spid="_x0000_s1192" name="Equation" r:id="rId6" imgW="914400" imgH="215640" progId="Equation.3">
+                <p:oleObj spid="_x0000_s1197" name="Equation" r:id="rId6" imgW="914400" imgH="215640" progId="Equation.3">
                   <p:embed/>
                 </p:oleObj>
               </mc:Choice>
@@ -5699,11 +5693,11 @@
   <p:clrMapOvr>
     <a:masterClrMapping/>
   </p:clrMapOvr>
-  <mc:AlternateContent xmlns:mc="http://schemas.openxmlformats.org/markup-compatibility/2006">
-    <mc:Choice xmlns:p14="http://schemas.microsoft.com/office/powerpoint/2010/main" Requires="p14">
+  <mc:AlternateContent xmlns:mc="http://schemas.openxmlformats.org/markup-compatibility/2006" xmlns:p14="http://schemas.microsoft.com/office/powerpoint/2010/main">
+    <mc:Choice Requires="p14">
       <p:transition p14:dur="0" advClick="0"/>
     </mc:Choice>
-    <mc:Fallback>
+    <mc:Fallback xmlns="">
       <p:transition xmlns:p14="http://schemas.microsoft.com/office/powerpoint/2010/main" advClick="0"/>
     </mc:Fallback>
   </mc:AlternateContent>
@@ -5769,8 +5763,8 @@
         </p:nvSpPr>
         <p:spPr>
           <a:xfrm>
-            <a:off x="228600" y="1854200"/>
-            <a:ext cx="8559800" cy="3238500"/>
+            <a:off x="279400" y="1320800"/>
+            <a:ext cx="8661400" cy="4356100"/>
           </a:xfrm>
         </p:spPr>
         <p:txBody>
@@ -5794,9 +5788,22 @@
           <a:p>
             <a:r>
               <a:rPr lang="en-US" sz="6000" dirty="0" smtClean="0"/>
-              <a:t>worrisome in general</a:t>
-            </a:r>
-            <a:endParaRPr lang="en-US" sz="6000" dirty="0"/>
+              <a:t>worrisome in </a:t>
+            </a:r>
+            <a:r>
+              <a:rPr lang="en-US" sz="6000" dirty="0" smtClean="0"/>
+              <a:t>general</a:t>
+            </a:r>
+          </a:p>
+          <a:p>
+            <a:pPr marL="457200" lvl="1" indent="0">
+              <a:buNone/>
+            </a:pPr>
+            <a:r>
+              <a:rPr lang="en-US" sz="5600" dirty="0" smtClean="0"/>
+              <a:t>--hidden assumptions</a:t>
+            </a:r>
+            <a:endParaRPr lang="en-US" sz="5600" dirty="0"/>
           </a:p>
         </p:txBody>
       </p:sp>
@@ -5980,6 +5987,67 @@
                       </p:childTnLst>
                     </p:cTn>
                   </p:par>
+                  <p:par>
+                    <p:cTn id="13" fill="hold">
+                      <p:stCondLst>
+                        <p:cond delay="indefinite"/>
+                      </p:stCondLst>
+                      <p:childTnLst>
+                        <p:par>
+                          <p:cTn id="14" fill="hold">
+                            <p:stCondLst>
+                              <p:cond delay="0"/>
+                            </p:stCondLst>
+                            <p:childTnLst>
+                              <p:par>
+                                <p:cTn id="15" presetID="10" presetClass="entr" presetSubtype="0" fill="hold" nodeType="clickEffect">
+                                  <p:stCondLst>
+                                    <p:cond delay="0"/>
+                                  </p:stCondLst>
+                                  <p:childTnLst>
+                                    <p:set>
+                                      <p:cBhvr>
+                                        <p:cTn id="16" dur="1" fill="hold">
+                                          <p:stCondLst>
+                                            <p:cond delay="0"/>
+                                          </p:stCondLst>
+                                        </p:cTn>
+                                        <p:tgtEl>
+                                          <p:spTgt spid="3">
+                                            <p:txEl>
+                                              <p:pRg st="3" end="3"/>
+                                            </p:txEl>
+                                          </p:spTgt>
+                                        </p:tgtEl>
+                                        <p:attrNameLst>
+                                          <p:attrName>style.visibility</p:attrName>
+                                        </p:attrNameLst>
+                                      </p:cBhvr>
+                                      <p:to>
+                                        <p:strVal val="visible"/>
+                                      </p:to>
+                                    </p:set>
+                                    <p:animEffect transition="in" filter="fade">
+                                      <p:cBhvr>
+                                        <p:cTn id="17" dur="500"/>
+                                        <p:tgtEl>
+                                          <p:spTgt spid="3">
+                                            <p:txEl>
+                                              <p:pRg st="3" end="3"/>
+                                            </p:txEl>
+                                          </p:spTgt>
+                                        </p:tgtEl>
+                                      </p:cBhvr>
+                                    </p:animEffect>
+                                  </p:childTnLst>
+                                </p:cTn>
+                              </p:par>
+                            </p:childTnLst>
+                          </p:cTn>
+                        </p:par>
+                      </p:childTnLst>
+                    </p:cTn>
+                  </p:par>
                 </p:childTnLst>
               </p:cTn>
               <p:prevCondLst>
@@ -6087,11 +6155,7 @@
             </a:r>
             <a:r>
               <a:rPr lang="en-US" sz="4000" dirty="0" smtClean="0"/>
-              <a:t> </a:t>
-            </a:r>
-            <a:r>
-              <a:rPr lang="en-US" sz="4000" dirty="0" smtClean="0"/>
-              <a:t>Proof:</a:t>
+              <a:t> Proof:</a:t>
             </a:r>
             <a:br>
               <a:rPr lang="en-US" sz="4000" dirty="0" smtClean="0"/>
@@ -6203,11 +6267,7 @@
             </a:r>
             <a:r>
               <a:rPr lang="en-US" sz="4000" dirty="0" smtClean="0"/>
-              <a:t> </a:t>
-            </a:r>
-            <a:r>
-              <a:rPr lang="en-US" sz="4000" dirty="0" smtClean="0"/>
-              <a:t>Proof:</a:t>
+              <a:t> Proof:</a:t>
             </a:r>
             <a:br>
               <a:rPr lang="en-US" sz="4000" dirty="0" smtClean="0"/>
@@ -7729,13 +7789,13 @@
   <p:clrMapOvr>
     <a:masterClrMapping/>
   </p:clrMapOvr>
-  <mc:AlternateContent xmlns:mc="http://schemas.openxmlformats.org/markup-compatibility/2006">
-    <mc:Choice xmlns:p14="http://schemas.microsoft.com/office/powerpoint/2010/main" Requires="p14">
+  <mc:AlternateContent xmlns:mc="http://schemas.openxmlformats.org/markup-compatibility/2006" xmlns:p14="http://schemas.microsoft.com/office/powerpoint/2010/main">
+    <mc:Choice Requires="p14">
       <p:transition p14:dur="400" advClick="0">
         <p:fade/>
       </p:transition>
     </mc:Choice>
-    <mc:Fallback>
+    <mc:Fallback xmlns="">
       <p:transition xmlns:p14="http://schemas.microsoft.com/office/powerpoint/2010/main" advClick="0">
         <p:fade/>
       </p:transition>
@@ -10829,9 +10889,18 @@
   <p:clrMapOvr>
     <a:masterClrMapping/>
   </p:clrMapOvr>
-  <p:transition xmlns:p14="http://schemas.microsoft.com/office/powerpoint/2010/main" spd="slow" advClick="0">
-    <p:fade/>
-  </p:transition>
+  <mc:AlternateContent xmlns:mc="http://schemas.openxmlformats.org/markup-compatibility/2006">
+    <mc:Choice xmlns:p14="http://schemas.microsoft.com/office/powerpoint/2010/main" Requires="p14">
+      <p:transition spd="med" p14:dur="600" advClick="0">
+        <p:fade thruBlk="1"/>
+      </p:transition>
+    </mc:Choice>
+    <mc:Fallback>
+      <p:transition xmlns:p14="http://schemas.microsoft.com/office/powerpoint/2010/main" spd="med" advClick="0">
+        <p:fade thruBlk="1"/>
+      </p:transition>
+    </mc:Fallback>
+  </mc:AlternateContent>
   <p:timing>
     <p:tnLst>
       <p:par>
@@ -11026,11 +11095,7 @@
             </a:r>
             <a:r>
               <a:rPr lang="en-US" dirty="0" smtClean="0"/>
-              <a:t> </a:t>
-            </a:r>
-            <a:r>
-              <a:rPr lang="en-US" dirty="0" smtClean="0"/>
-              <a:t>Proof</a:t>
+              <a:t> Proof</a:t>
             </a:r>
           </a:p>
         </p:txBody>
@@ -11182,7 +11247,7 @@
           <a:graphicData uri="http://schemas.openxmlformats.org/presentationml/2006/ole">
             <mc:AlternateContent xmlns:mc="http://schemas.openxmlformats.org/markup-compatibility/2006">
               <mc:Choice xmlns:v="urn:schemas-microsoft-com:vml" Requires="v">
-                <p:oleObj spid="_x0000_s9450" name="Equation" r:id="rId4" imgW="1270000" imgH="457200" progId="Equation.DSMT4">
+                <p:oleObj spid="_x0000_s9457" name="Equation" r:id="rId4" imgW="1270000" imgH="457200" progId="Equation.DSMT4">
                   <p:embed/>
                 </p:oleObj>
               </mc:Choice>
@@ -11277,7 +11342,7 @@
           <a:graphicData uri="http://schemas.openxmlformats.org/presentationml/2006/ole">
             <mc:AlternateContent xmlns:mc="http://schemas.openxmlformats.org/markup-compatibility/2006">
               <mc:Choice xmlns:v="urn:schemas-microsoft-com:vml" Requires="v">
-                <p:oleObj spid="_x0000_s9451" name="Equation" r:id="rId6" imgW="1270000" imgH="457200" progId="Equation.DSMT4">
+                <p:oleObj spid="_x0000_s9458" name="Equation" r:id="rId6" imgW="1270000" imgH="457200" progId="Equation.DSMT4">
                   <p:embed/>
                 </p:oleObj>
               </mc:Choice>
@@ -11444,7 +11509,7 @@
           <a:graphicData uri="http://schemas.openxmlformats.org/presentationml/2006/ole">
             <mc:AlternateContent xmlns:mc="http://schemas.openxmlformats.org/markup-compatibility/2006">
               <mc:Choice xmlns:v="urn:schemas-microsoft-com:vml" Requires="v">
-                <p:oleObj spid="_x0000_s9452" name="Equation" r:id="rId8" imgW="774360" imgH="203040" progId="Equation.DSMT4">
+                <p:oleObj spid="_x0000_s9459" name="Equation" r:id="rId8" imgW="774360" imgH="203040" progId="Equation.DSMT4">
                   <p:embed/>
                 </p:oleObj>
               </mc:Choice>
@@ -12013,7 +12078,7 @@
             <a:graphicData uri="http://schemas.openxmlformats.org/presentationml/2006/ole">
               <mc:AlternateContent xmlns:mc="http://schemas.openxmlformats.org/markup-compatibility/2006">
                 <mc:Choice xmlns:v="urn:schemas-microsoft-com:vml" Requires="v">
-                  <p:oleObj spid="_x0000_s10402" name="Equation" r:id="rId4" imgW="774360" imgH="203040" progId="Equation.DSMT4">
+                  <p:oleObj spid="_x0000_s10407" name="Equation" r:id="rId4" imgW="774360" imgH="203040" progId="Equation.DSMT4">
                     <p:embed/>
                   </p:oleObj>
                 </mc:Choice>
@@ -12178,7 +12243,7 @@
             <a:graphicData uri="http://schemas.openxmlformats.org/presentationml/2006/ole">
               <mc:AlternateContent xmlns:mc="http://schemas.openxmlformats.org/markup-compatibility/2006">
                 <mc:Choice xmlns:v="urn:schemas-microsoft-com:vml" Requires="v">
-                  <p:oleObj spid="_x0000_s10403" name="Equation" r:id="rId6" imgW="736560" imgH="203040" progId="Equation.DSMT4">
+                  <p:oleObj spid="_x0000_s10408" name="Equation" r:id="rId6" imgW="736560" imgH="203040" progId="Equation.DSMT4">
                     <p:embed/>
                   </p:oleObj>
                 </mc:Choice>
@@ -12268,11 +12333,7 @@
             </a:r>
             <a:r>
               <a:rPr lang="en-US" dirty="0" smtClean="0"/>
-              <a:t> </a:t>
-            </a:r>
-            <a:r>
-              <a:rPr lang="en-US" dirty="0" smtClean="0"/>
-              <a:t>Proof</a:t>
+              <a:t> Proof</a:t>
             </a:r>
           </a:p>
         </p:txBody>
@@ -13025,7 +13086,7 @@
           <a:graphicData uri="http://schemas.openxmlformats.org/presentationml/2006/ole">
             <mc:AlternateContent xmlns:mc="http://schemas.openxmlformats.org/markup-compatibility/2006">
               <mc:Choice xmlns:v="urn:schemas-microsoft-com:vml" Requires="v">
-                <p:oleObj spid="_x0000_s11428" name="Equation" r:id="rId4" imgW="114120" imgH="177480" progId="Equation.DSMT4">
+                <p:oleObj spid="_x0000_s11433" name="Equation" r:id="rId4" imgW="114120" imgH="177480" progId="Equation.DSMT4">
                   <p:embed/>
                 </p:oleObj>
               </mc:Choice>
@@ -13095,7 +13156,7 @@
           <a:graphicData uri="http://schemas.openxmlformats.org/presentationml/2006/ole">
             <mc:AlternateContent xmlns:mc="http://schemas.openxmlformats.org/markup-compatibility/2006">
               <mc:Choice xmlns:v="urn:schemas-microsoft-com:vml" Requires="v">
-                <p:oleObj spid="_x0000_s11429" name="Equation" r:id="rId6" imgW="114120" imgH="177480" progId="Equation.DSMT4">
+                <p:oleObj spid="_x0000_s11434" name="Equation" r:id="rId6" imgW="114120" imgH="177480" progId="Equation.DSMT4">
                   <p:embed/>
                 </p:oleObj>
               </mc:Choice>
@@ -13184,11 +13245,7 @@
             </a:r>
             <a:r>
               <a:rPr lang="en-US" dirty="0" smtClean="0"/>
-              <a:t> </a:t>
-            </a:r>
-            <a:r>
-              <a:rPr lang="en-US" dirty="0" smtClean="0"/>
-              <a:t>Proof</a:t>
+              <a:t> Proof</a:t>
             </a:r>
           </a:p>
         </p:txBody>
@@ -13748,11 +13805,7 @@
             </a:r>
             <a:r>
               <a:rPr lang="en-US" dirty="0" smtClean="0"/>
-              <a:t> </a:t>
-            </a:r>
-            <a:r>
-              <a:rPr lang="en-US" dirty="0" smtClean="0"/>
-              <a:t>Proof</a:t>
+              <a:t> Proof</a:t>
             </a:r>
           </a:p>
         </p:txBody>
@@ -14039,7 +14092,7 @@
           <a:graphicData uri="http://schemas.openxmlformats.org/presentationml/2006/ole">
             <mc:AlternateContent xmlns:mc="http://schemas.openxmlformats.org/markup-compatibility/2006">
               <mc:Choice xmlns:v="urn:schemas-microsoft-com:vml" Requires="v">
-                <p:oleObj spid="_x0000_s184414" name="Equation" r:id="rId4" imgW="2552700" imgH="419100" progId="Equation.DSMT4">
+                <p:oleObj spid="_x0000_s184417" name="Equation" r:id="rId4" imgW="2552700" imgH="419100" progId="Equation.DSMT4">
                   <p:embed/>
                 </p:oleObj>
               </mc:Choice>
@@ -14961,7 +15014,7 @@
           <a:graphicData uri="http://schemas.openxmlformats.org/presentationml/2006/ole">
             <mc:AlternateContent xmlns:mc="http://schemas.openxmlformats.org/markup-compatibility/2006">
               <mc:Choice xmlns:v="urn:schemas-microsoft-com:vml" Requires="v">
-                <p:oleObj spid="_x0000_s12382" name="Equation" r:id="rId4" imgW="2590560" imgH="368280" progId="Equation.DSMT4">
+                <p:oleObj spid="_x0000_s12385" name="Equation" r:id="rId4" imgW="2590560" imgH="368280" progId="Equation.DSMT4">
                   <p:embed/>
                 </p:oleObj>
               </mc:Choice>
@@ -15852,7 +15905,7 @@
           <a:graphicData uri="http://schemas.openxmlformats.org/presentationml/2006/ole">
             <mc:AlternateContent xmlns:mc="http://schemas.openxmlformats.org/markup-compatibility/2006">
               <mc:Choice xmlns:v="urn:schemas-microsoft-com:vml" Requires="v">
-                <p:oleObj spid="_x0000_s13406" name="Equation" r:id="rId4" imgW="152280" imgH="393480" progId="Equation.DSMT4">
+                <p:oleObj spid="_x0000_s13409" name="Equation" r:id="rId4" imgW="152280" imgH="393480" progId="Equation.DSMT4">
                   <p:embed/>
                 </p:oleObj>
               </mc:Choice>
@@ -16971,7 +17024,7 @@
           <a:graphicData uri="http://schemas.openxmlformats.org/presentationml/2006/ole">
             <mc:AlternateContent xmlns:mc="http://schemas.openxmlformats.org/markup-compatibility/2006">
               <mc:Choice xmlns:v="urn:schemas-microsoft-com:vml" Requires="v">
-                <p:oleObj spid="_x0000_s150622" name="Equation" r:id="rId4" imgW="838200" imgH="241300" progId="Equation.DSMT4">
+                <p:oleObj spid="_x0000_s150625" name="Equation" r:id="rId4" imgW="838200" imgH="241300" progId="Equation.DSMT4">
                   <p:embed/>
                 </p:oleObj>
               </mc:Choice>
@@ -17632,7 +17685,7 @@
           <a:graphicData uri="http://schemas.openxmlformats.org/presentationml/2006/ole">
             <mc:AlternateContent xmlns:mc="http://schemas.openxmlformats.org/markup-compatibility/2006">
               <mc:Choice xmlns:v="urn:schemas-microsoft-com:vml" Requires="v">
-                <p:oleObj spid="_x0000_s6310" name="Equation" r:id="rId4" imgW="304560" imgH="139680" progId="Equation.DSMT4">
+                <p:oleObj spid="_x0000_s6315" name="Equation" r:id="rId4" imgW="304560" imgH="139680" progId="Equation.DSMT4">
                   <p:embed/>
                 </p:oleObj>
               </mc:Choice>
@@ -17702,7 +17755,7 @@
           <a:graphicData uri="http://schemas.openxmlformats.org/presentationml/2006/ole">
             <mc:AlternateContent xmlns:mc="http://schemas.openxmlformats.org/markup-compatibility/2006">
               <mc:Choice xmlns:v="urn:schemas-microsoft-com:vml" Requires="v">
-                <p:oleObj spid="_x0000_s6311" name="Equation" r:id="rId6" imgW="304560" imgH="139680" progId="Equation.DSMT4">
+                <p:oleObj spid="_x0000_s6316" name="Equation" r:id="rId6" imgW="304560" imgH="139680" progId="Equation.DSMT4">
                   <p:embed/>
                 </p:oleObj>
               </mc:Choice>
@@ -19586,7 +19639,7 @@
           <a:graphicData uri="http://schemas.openxmlformats.org/presentationml/2006/ole">
             <mc:AlternateContent xmlns:mc="http://schemas.openxmlformats.org/markup-compatibility/2006">
               <mc:Choice xmlns:v="urn:schemas-microsoft-com:vml" Requires="v">
-                <p:oleObj spid="_x0000_s7328" name="Equation" r:id="rId4" imgW="304560" imgH="139680" progId="Equation.DSMT4">
+                <p:oleObj spid="_x0000_s7333" name="Equation" r:id="rId4" imgW="304560" imgH="139680" progId="Equation.DSMT4">
                   <p:embed/>
                 </p:oleObj>
               </mc:Choice>
@@ -19656,7 +19709,7 @@
           <a:graphicData uri="http://schemas.openxmlformats.org/presentationml/2006/ole">
             <mc:AlternateContent xmlns:mc="http://schemas.openxmlformats.org/markup-compatibility/2006">
               <mc:Choice xmlns:v="urn:schemas-microsoft-com:vml" Requires="v">
-                <p:oleObj spid="_x0000_s7329" name="Equation" r:id="rId6" imgW="304560" imgH="139680" progId="Equation.DSMT4">
+                <p:oleObj spid="_x0000_s7334" name="Equation" r:id="rId6" imgW="304560" imgH="139680" progId="Equation.DSMT4">
                   <p:embed/>
                 </p:oleObj>
               </mc:Choice>
@@ -20057,7 +20110,7 @@
           <a:graphicData uri="http://schemas.openxmlformats.org/presentationml/2006/ole">
             <mc:AlternateContent xmlns:mc="http://schemas.openxmlformats.org/markup-compatibility/2006">
               <mc:Choice xmlns:v="urn:schemas-microsoft-com:vml" Requires="v">
-                <p:oleObj spid="_x0000_s210025" name="Equation" r:id="rId4" imgW="114120" imgH="177480" progId="Equation.DSMT4">
+                <p:oleObj spid="_x0000_s210030" name="Equation" r:id="rId4" imgW="114120" imgH="177480" progId="Equation.DSMT4">
                   <p:embed/>
                 </p:oleObj>
               </mc:Choice>
@@ -20662,7 +20715,7 @@
           <a:graphicData uri="http://schemas.openxmlformats.org/presentationml/2006/ole">
             <mc:AlternateContent xmlns:mc="http://schemas.openxmlformats.org/markup-compatibility/2006">
               <mc:Choice xmlns:v="urn:schemas-microsoft-com:vml" Requires="v">
-                <p:oleObj spid="_x0000_s210026" name="Equation" r:id="rId6" imgW="635000" imgH="469900" progId="Equation.DSMT4">
+                <p:oleObj spid="_x0000_s210031" name="Equation" r:id="rId6" imgW="635000" imgH="469900" progId="Equation.DSMT4">
                   <p:embed/>
                 </p:oleObj>
               </mc:Choice>
@@ -20890,7 +20943,7 @@
           <a:graphicData uri="http://schemas.openxmlformats.org/presentationml/2006/ole">
             <mc:AlternateContent xmlns:mc="http://schemas.openxmlformats.org/markup-compatibility/2006">
               <mc:Choice xmlns:v="urn:schemas-microsoft-com:vml" Requires="v">
-                <p:oleObj spid="_x0000_s187530" name="Equation" r:id="rId4" imgW="114120" imgH="177480" progId="Equation.DSMT4">
+                <p:oleObj spid="_x0000_s187535" name="Equation" r:id="rId4" imgW="114120" imgH="177480" progId="Equation.DSMT4">
                   <p:embed/>
                 </p:oleObj>
               </mc:Choice>
@@ -21548,7 +21601,7 @@
             <a:graphicData uri="http://schemas.openxmlformats.org/presentationml/2006/ole">
               <mc:AlternateContent xmlns:mc="http://schemas.openxmlformats.org/markup-compatibility/2006">
                 <mc:Choice xmlns:v="urn:schemas-microsoft-com:vml" Requires="v">
-                  <p:oleObj spid="_x0000_s187531" name="Equation" r:id="rId6" imgW="635000" imgH="444500" progId="Equation.DSMT4">
+                  <p:oleObj spid="_x0000_s187536" name="Equation" r:id="rId6" imgW="635000" imgH="444500" progId="Equation.DSMT4">
                     <p:embed/>
                   </p:oleObj>
                 </mc:Choice>
@@ -21701,7 +21754,7 @@
           <a:graphicData uri="http://schemas.openxmlformats.org/presentationml/2006/ole">
             <mc:AlternateContent xmlns:mc="http://schemas.openxmlformats.org/markup-compatibility/2006">
               <mc:Choice xmlns:v="urn:schemas-microsoft-com:vml" Requires="v">
-                <p:oleObj spid="_x0000_s219143" name="Equation" r:id="rId4" imgW="114120" imgH="177480" progId="Equation.DSMT4">
+                <p:oleObj spid="_x0000_s219148" name="Equation" r:id="rId4" imgW="114120" imgH="177480" progId="Equation.DSMT4">
                   <p:embed/>
                 </p:oleObj>
               </mc:Choice>
@@ -22380,7 +22433,7 @@
           <a:graphicData uri="http://schemas.openxmlformats.org/presentationml/2006/ole">
             <mc:AlternateContent xmlns:mc="http://schemas.openxmlformats.org/markup-compatibility/2006">
               <mc:Choice xmlns:v="urn:schemas-microsoft-com:vml" Requires="v">
-                <p:oleObj spid="_x0000_s219144" name="Equation" r:id="rId6" imgW="635000" imgH="444500" progId="Equation.DSMT4">
+                <p:oleObj spid="_x0000_s219149" name="Equation" r:id="rId6" imgW="635000" imgH="444500" progId="Equation.DSMT4">
                   <p:embed/>
                 </p:oleObj>
               </mc:Choice>
